--- a/wiki/presentazione/SDD - Mavi.pptx
+++ b/wiki/presentazione/SDD - Mavi.pptx
@@ -3028,7 +3028,15 @@
             </a:r>
             <a:r>
               <a:rPr lang="it-IT" sz="2400" dirty="0"/>
-              <a:t>bottoni ,sezioni e un help che spiega il significato di ogni </a:t>
+              <a:t>bottoni ,sezioni e un </a:t>
+            </a:r>
+            <a:r>
+              <a:rPr lang="it-IT" sz="2400" dirty="0" smtClean="0"/>
+              <a:t>manuale utente </a:t>
+            </a:r>
+            <a:r>
+              <a:rPr lang="it-IT" sz="2400" dirty="0"/>
+              <a:t>che spiega il significato di ogni </a:t>
             </a:r>
             <a:r>
               <a:rPr lang="it-IT" sz="2400" dirty="0" smtClean="0"/>
@@ -3042,7 +3050,19 @@
             </a:r>
             <a:r>
               <a:rPr lang="it-IT" sz="2400" dirty="0"/>
-              <a:t>del sistema da parte dell’utente sarà guidato dall’interfaccia semplice ed intuitiva </a:t>
+              <a:t>del </a:t>
+            </a:r>
+            <a:r>
+              <a:rPr lang="it-IT" sz="2400" dirty="0" smtClean="0"/>
+              <a:t>sistema </a:t>
+            </a:r>
+            <a:r>
+              <a:rPr lang="it-IT" sz="2400" dirty="0"/>
+              <a:t>sarà guidato dall’interfaccia semplice ed </a:t>
+            </a:r>
+            <a:r>
+              <a:rPr lang="it-IT" sz="2400" dirty="0" smtClean="0"/>
+              <a:t>intuitiva, al fine di migliorare l’esperienza dell’utente rispetto all’uso del sistema precedente</a:t>
             </a:r>
             <a:endParaRPr lang="it-IT" sz="2400" dirty="0" smtClean="0"/>
           </a:p>
@@ -3059,25 +3079,21 @@
           <a:p>
             <a:r>
               <a:rPr lang="it-IT" sz="2400" dirty="0" smtClean="0"/>
-              <a:t>Robustezza: agli input invalidi forniti dagli utenti</a:t>
-            </a:r>
-          </a:p>
-          <a:p>
+              <a:t>Affidabilità</a:t>
+            </a:r>
             <a:r>
               <a:rPr lang="it-IT" sz="2400" dirty="0" smtClean="0"/>
-              <a:t>Affidabilità: garantire il corretto svolgimento delle funzionalità</a:t>
+              <a:t>: garantire il corretto svolgimento delle funzionalità</a:t>
             </a:r>
           </a:p>
           <a:p>
             <a:r>
               <a:rPr lang="it-IT" sz="2400" dirty="0" smtClean="0"/>
-              <a:t>Disponibilità</a:t>
-            </a:r>
-          </a:p>
-          <a:p>
+              <a:t>Sicurezza</a:t>
+            </a:r>
             <a:r>
               <a:rPr lang="it-IT" sz="2400" dirty="0" smtClean="0"/>
-              <a:t>Sicurezza: sistema di autenticazione</a:t>
+              <a:t>: sistema di autenticazione</a:t>
             </a:r>
             <a:endParaRPr lang="it-IT" sz="2400" dirty="0"/>
           </a:p>
@@ -3153,7 +3169,7 @@
         <p:spPr/>
         <p:txBody>
           <a:bodyPr>
-            <a:normAutofit lnSpcReduction="10000"/>
+            <a:normAutofit/>
           </a:bodyPr>
           <a:lstStyle/>
           <a:p>
@@ -3211,13 +3227,6 @@
             <a:r>
               <a:rPr lang="it-IT" sz="2400" dirty="0" smtClean="0"/>
               <a:t>secondi</a:t>
-            </a:r>
-            <a:endParaRPr lang="it-IT" sz="2400" dirty="0" smtClean="0"/>
-          </a:p>
-          <a:p>
-            <a:r>
-              <a:rPr lang="it-IT" sz="2400" dirty="0" err="1" smtClean="0"/>
-              <a:t>Throughput</a:t>
             </a:r>
             <a:endParaRPr lang="it-IT" sz="2400" dirty="0" smtClean="0"/>
           </a:p>
@@ -3332,29 +3341,52 @@
         </p:nvSpPr>
         <p:spPr/>
         <p:txBody>
-          <a:bodyPr/>
-          <a:lstStyle/>
-          <a:p>
-            <a:r>
-              <a:rPr lang="it-IT" dirty="0"/>
+          <a:bodyPr>
+            <a:normAutofit lnSpcReduction="10000"/>
+          </a:bodyPr>
+          <a:lstStyle/>
+          <a:p>
+            <a:r>
+              <a:rPr lang="it-IT" u="sng" dirty="0"/>
               <a:t>CRITERI DI END USER </a:t>
             </a:r>
-            <a:endParaRPr lang="it-IT" dirty="0" smtClean="0"/>
-          </a:p>
-          <a:p>
+            <a:endParaRPr lang="it-IT" u="sng" dirty="0" smtClean="0"/>
+          </a:p>
+          <a:p>
+            <a:r>
+              <a:rPr lang="it-IT" dirty="0" smtClean="0"/>
+              <a:t>Creazione manuale utente</a:t>
+            </a:r>
+          </a:p>
+          <a:p>
+            <a:r>
+              <a:rPr lang="it-IT" dirty="0" smtClean="0"/>
+              <a:t>Usabilità: circa 4 click per accedere a tutte le funzionalità per ogni tipo di utente</a:t>
+            </a:r>
             <a:endParaRPr lang="it-IT" dirty="0"/>
           </a:p>
           <a:p>
-            <a:endParaRPr lang="it-IT" dirty="0" smtClean="0"/>
-          </a:p>
-          <a:p>
             <a:endParaRPr lang="it-IT" dirty="0"/>
           </a:p>
           <a:p>
             <a:r>
-              <a:rPr lang="it-IT" dirty="0"/>
+              <a:rPr lang="it-IT" u="sng" dirty="0"/>
               <a:t>TRADE-OFFS </a:t>
             </a:r>
+            <a:endParaRPr lang="it-IT" u="sng" dirty="0" smtClean="0"/>
+          </a:p>
+          <a:p>
+            <a:r>
+              <a:rPr lang="it-IT" dirty="0" smtClean="0"/>
+              <a:t>Sicurezza VS Efficienza: controllo sessione e login (registrazione di account solo da parte dell’amministratore)</a:t>
+            </a:r>
+          </a:p>
+          <a:p>
+            <a:r>
+              <a:rPr lang="it-IT" dirty="0" smtClean="0"/>
+              <a:t>Tempo di rilascio VS Qualità: rilasciato entro la data stabilita, presenta alcuni bug ma non influiscono sul funzionamento del sistema</a:t>
+            </a:r>
+            <a:endParaRPr lang="it-IT" dirty="0"/>
           </a:p>
         </p:txBody>
       </p:sp>
@@ -3411,7 +3443,15 @@
             <a:pPr algn="ctr"/>
             <a:r>
               <a:rPr lang="it-IT" dirty="0" smtClean="0"/>
-              <a:t>Scelta dell’architettura</a:t>
+              <a:t>Scelta </a:t>
+            </a:r>
+            <a:r>
+              <a:rPr lang="it-IT" dirty="0" smtClean="0"/>
+              <a:t>dell’architettura di </a:t>
+            </a:r>
+            <a:r>
+              <a:rPr lang="it-IT" dirty="0" err="1" smtClean="0"/>
+              <a:t>VViSeR</a:t>
             </a:r>
             <a:endParaRPr lang="it-IT" dirty="0"/>
           </a:p>
@@ -3791,8 +3831,13 @@
             </a:r>
             <a:r>
               <a:rPr lang="it-IT" dirty="0" smtClean="0"/>
-              <a:t> Tipologie (categorie)</a:t>
-            </a:r>
+              <a:t> </a:t>
+            </a:r>
+            <a:r>
+              <a:rPr lang="it-IT" dirty="0" smtClean="0"/>
+              <a:t>Tipologie</a:t>
+            </a:r>
+            <a:endParaRPr lang="it-IT" dirty="0" smtClean="0"/>
           </a:p>
           <a:p>
             <a:r>
@@ -3981,15 +4026,60 @@
           <a:lstStyle/>
           <a:p>
             <a:r>
+              <a:rPr lang="it-IT" u="sng" dirty="0" smtClean="0"/>
+              <a:t>Controllo </a:t>
+            </a:r>
+            <a:r>
               <a:rPr lang="it-IT" u="sng" dirty="0"/>
-              <a:t>Gestione dei dati </a:t>
-            </a:r>
-            <a:r>
-              <a:rPr lang="it-IT" u="sng" dirty="0" smtClean="0"/>
-              <a:t>persistenti</a:t>
-            </a:r>
-          </a:p>
-          <a:p>
+              <a:t>degli accessi</a:t>
+            </a:r>
+          </a:p>
+          <a:p>
+            <a:pPr lvl="1"/>
+            <a:r>
+              <a:rPr lang="it-IT" dirty="0"/>
+              <a:t>P</a:t>
+            </a:r>
+            <a:r>
+              <a:rPr lang="it-IT" dirty="0" smtClean="0"/>
+              <a:t>er </a:t>
+            </a:r>
+            <a:r>
+              <a:rPr lang="it-IT" dirty="0"/>
+              <a:t>ogni utente registrato viene </a:t>
+            </a:r>
+            <a:r>
+              <a:rPr lang="it-IT" dirty="0" smtClean="0"/>
+              <a:t>specificato </a:t>
+            </a:r>
+            <a:r>
+              <a:rPr lang="it-IT" dirty="0"/>
+              <a:t>il profilo di appartenenza, a seconda del livello di appartenenza l’utente loggato può accedere a diverse funzionalità</a:t>
+            </a:r>
+            <a:r>
+              <a:rPr lang="it-IT" dirty="0" smtClean="0"/>
+              <a:t>.</a:t>
+            </a:r>
+          </a:p>
+          <a:p>
+            <a:pPr lvl="1"/>
+            <a:r>
+              <a:rPr lang="it-IT" dirty="0" smtClean="0"/>
+              <a:t>6 livelli utente: amministratore del sistema, ricercatore, direttore di dipartimento, membro del comitato di area scientifica, membro del comitato di ateneo, utente non autenticato</a:t>
+            </a:r>
+            <a:r>
+              <a:rPr lang="it-IT" dirty="0" smtClean="0"/>
+              <a:t>.</a:t>
+            </a:r>
+          </a:p>
+          <a:p>
+            <a:r>
+              <a:rPr lang="it-IT" u="sng" dirty="0"/>
+              <a:t>Gestione dei dati persistenti</a:t>
+            </a:r>
+          </a:p>
+          <a:p>
+            <a:pPr lvl="1"/>
             <a:r>
               <a:rPr lang="it-IT" dirty="0"/>
               <a:t>Vista la problematica degli accessi multipli è stato deciso di affidare la gestione dei dati persistenti ad un database relazionale ed in particolare al DBMS open-source </a:t>
@@ -4004,6 +4094,7 @@
             </a:r>
           </a:p>
           <a:p>
+            <a:pPr lvl="1"/>
             <a:r>
               <a:rPr lang="it-IT" dirty="0"/>
               <a:t>Nel nostro sistema verrà usato il </a:t>
@@ -4022,53 +4113,11 @@
             </a:r>
             <a:r>
               <a:rPr lang="it-IT" dirty="0"/>
-              <a:t> Connector/J per l’interfacciamento con il </a:t>
-            </a:r>
-            <a:r>
-              <a:rPr lang="it-IT" dirty="0" smtClean="0"/>
-              <a:t>DBMS.</a:t>
-            </a:r>
-          </a:p>
-          <a:p>
-            <a:r>
-              <a:rPr lang="it-IT" u="sng" dirty="0" smtClean="0"/>
-              <a:t>Controllo </a:t>
-            </a:r>
-            <a:r>
-              <a:rPr lang="it-IT" u="sng" dirty="0"/>
-              <a:t>degli accessi</a:t>
-            </a:r>
-          </a:p>
-          <a:p>
-            <a:r>
-              <a:rPr lang="it-IT" dirty="0"/>
-              <a:t>P</a:t>
-            </a:r>
-            <a:r>
-              <a:rPr lang="it-IT" dirty="0" smtClean="0"/>
-              <a:t>er </a:t>
-            </a:r>
-            <a:r>
-              <a:rPr lang="it-IT" dirty="0"/>
-              <a:t>ogni utente registrato viene </a:t>
-            </a:r>
-            <a:r>
-              <a:rPr lang="it-IT" dirty="0" smtClean="0"/>
-              <a:t>specificato </a:t>
-            </a:r>
-            <a:r>
-              <a:rPr lang="it-IT" dirty="0"/>
-              <a:t>il profilo di appartenenza, a seconda del livello di appartenenza l’utente loggato può accedere a diverse funzionalità</a:t>
+              <a:t> Connector/J per l’interfacciamento con il DBMS</a:t>
             </a:r>
             <a:r>
               <a:rPr lang="it-IT" dirty="0" smtClean="0"/>
               <a:t>.</a:t>
-            </a:r>
-          </a:p>
-          <a:p>
-            <a:r>
-              <a:rPr lang="it-IT" dirty="0" smtClean="0"/>
-              <a:t>6 livelli utente: amministratore del sistema, ricercatore, direttore di dipartimento, membro del comitato di area scientifica, membro del comitato di ateneo, utente non autenticato.</a:t>
             </a:r>
             <a:endParaRPr lang="it-IT" dirty="0"/>
           </a:p>
